--- a/output/figures/paper/Fig. 3 NMDS.end.pptx
+++ b/output/figures/paper/Fig. 3 NMDS.end.pptx
@@ -2332,7 +2332,7 @@
           </p:nvSpPr>
           <p:spPr>
             <a:xfrm>
-              <a:off x="1403392" y="2617841"/>
+              <a:off x="1403392" y="2617814"/>
               <a:ext cx="5659338" cy="0"/>
             </a:xfrm>
             <a:custGeom>
@@ -2375,7 +2375,7 @@
           </p:nvSpPr>
           <p:spPr>
             <a:xfrm>
-              <a:off x="4046210" y="983989"/>
+              <a:off x="4046163" y="983989"/>
               <a:ext cx="0" cy="3096637"/>
             </a:xfrm>
             <a:custGeom>
@@ -2418,7 +2418,357 @@
           </p:nvSpPr>
           <p:spPr>
             <a:xfrm>
-              <a:off x="3879857" y="2657845"/>
+              <a:off x="3879823" y="2657837"/>
+              <a:ext cx="49651" cy="49651"/>
+            </a:xfrm>
+            <a:prstGeom prst="ellipse">
+              <a:avLst/>
+            </a:prstGeom>
+            <a:solidFill>
+              <a:srgbClr val="A3A500">
+                <a:alpha val="100000"/>
+              </a:srgbClr>
+            </a:solidFill>
+            <a:ln w="9000" cap="rnd">
+              <a:solidFill>
+                <a:srgbClr val="A3A500">
+                  <a:alpha val="100000"/>
+                </a:srgbClr>
+              </a:solidFill>
+              <a:prstDash val="solid"/>
+              <a:round/>
+            </a:ln>
+          </p:spPr>
+          <p:txBody>
+            <a:bodyPr/>
+            <a:lstStyle/>
+            <a:p/>
+          </p:txBody>
+        </p:sp>
+        <p:sp>
+          <p:nvSpPr>
+            <p:cNvPr id="9" name="pt9"/>
+            <p:cNvSpPr/>
+            <p:nvPr/>
+          </p:nvSpPr>
+          <p:spPr>
+            <a:xfrm>
+              <a:off x="4688501" y="3543535"/>
+              <a:ext cx="49651" cy="49651"/>
+            </a:xfrm>
+            <a:prstGeom prst="ellipse">
+              <a:avLst/>
+            </a:prstGeom>
+            <a:solidFill>
+              <a:srgbClr val="A3A500">
+                <a:alpha val="100000"/>
+              </a:srgbClr>
+            </a:solidFill>
+            <a:ln w="9000" cap="rnd">
+              <a:solidFill>
+                <a:srgbClr val="A3A500">
+                  <a:alpha val="100000"/>
+                </a:srgbClr>
+              </a:solidFill>
+              <a:prstDash val="solid"/>
+              <a:round/>
+            </a:ln>
+          </p:spPr>
+          <p:txBody>
+            <a:bodyPr/>
+            <a:lstStyle/>
+            <a:p/>
+          </p:txBody>
+        </p:sp>
+        <p:sp>
+          <p:nvSpPr>
+            <p:cNvPr id="10" name="pt10"/>
+            <p:cNvSpPr/>
+            <p:nvPr/>
+          </p:nvSpPr>
+          <p:spPr>
+            <a:xfrm>
+              <a:off x="3235446" y="3440964"/>
+              <a:ext cx="49651" cy="49651"/>
+            </a:xfrm>
+            <a:prstGeom prst="ellipse">
+              <a:avLst/>
+            </a:prstGeom>
+            <a:solidFill>
+              <a:srgbClr val="A3A500">
+                <a:alpha val="100000"/>
+              </a:srgbClr>
+            </a:solidFill>
+            <a:ln w="9000" cap="rnd">
+              <a:solidFill>
+                <a:srgbClr val="A3A500">
+                  <a:alpha val="100000"/>
+                </a:srgbClr>
+              </a:solidFill>
+              <a:prstDash val="solid"/>
+              <a:round/>
+            </a:ln>
+          </p:spPr>
+          <p:txBody>
+            <a:bodyPr/>
+            <a:lstStyle/>
+            <a:p/>
+          </p:txBody>
+        </p:sp>
+        <p:sp>
+          <p:nvSpPr>
+            <p:cNvPr id="11" name="pt11"/>
+            <p:cNvSpPr/>
+            <p:nvPr/>
+          </p:nvSpPr>
+          <p:spPr>
+            <a:xfrm>
+              <a:off x="5095274" y="2938273"/>
+              <a:ext cx="49651" cy="49651"/>
+            </a:xfrm>
+            <a:prstGeom prst="ellipse">
+              <a:avLst/>
+            </a:prstGeom>
+            <a:solidFill>
+              <a:srgbClr val="A3A500">
+                <a:alpha val="100000"/>
+              </a:srgbClr>
+            </a:solidFill>
+            <a:ln w="9000" cap="rnd">
+              <a:solidFill>
+                <a:srgbClr val="A3A500">
+                  <a:alpha val="100000"/>
+                </a:srgbClr>
+              </a:solidFill>
+              <a:prstDash val="solid"/>
+              <a:round/>
+            </a:ln>
+          </p:spPr>
+          <p:txBody>
+            <a:bodyPr/>
+            <a:lstStyle/>
+            <a:p/>
+          </p:txBody>
+        </p:sp>
+        <p:sp>
+          <p:nvSpPr>
+            <p:cNvPr id="12" name="pt12"/>
+            <p:cNvSpPr/>
+            <p:nvPr/>
+          </p:nvSpPr>
+          <p:spPr>
+            <a:xfrm>
+              <a:off x="3618516" y="1862973"/>
+              <a:ext cx="49651" cy="49651"/>
+            </a:xfrm>
+            <a:prstGeom prst="ellipse">
+              <a:avLst/>
+            </a:prstGeom>
+            <a:solidFill>
+              <a:srgbClr val="A3A500">
+                <a:alpha val="100000"/>
+              </a:srgbClr>
+            </a:solidFill>
+            <a:ln w="9000" cap="rnd">
+              <a:solidFill>
+                <a:srgbClr val="A3A500">
+                  <a:alpha val="100000"/>
+                </a:srgbClr>
+              </a:solidFill>
+              <a:prstDash val="solid"/>
+              <a:round/>
+            </a:ln>
+          </p:spPr>
+          <p:txBody>
+            <a:bodyPr/>
+            <a:lstStyle/>
+            <a:p/>
+          </p:txBody>
+        </p:sp>
+        <p:sp>
+          <p:nvSpPr>
+            <p:cNvPr id="13" name="pt13"/>
+            <p:cNvSpPr/>
+            <p:nvPr/>
+          </p:nvSpPr>
+          <p:spPr>
+            <a:xfrm>
+              <a:off x="1781565" y="3069706"/>
+              <a:ext cx="49651" cy="49651"/>
+            </a:xfrm>
+            <a:prstGeom prst="ellipse">
+              <a:avLst/>
+            </a:prstGeom>
+            <a:solidFill>
+              <a:srgbClr val="00BF7D">
+                <a:alpha val="100000"/>
+              </a:srgbClr>
+            </a:solidFill>
+            <a:ln w="9000" cap="rnd">
+              <a:solidFill>
+                <a:srgbClr val="00BF7D">
+                  <a:alpha val="100000"/>
+                </a:srgbClr>
+              </a:solidFill>
+              <a:prstDash val="solid"/>
+              <a:round/>
+            </a:ln>
+          </p:spPr>
+          <p:txBody>
+            <a:bodyPr/>
+            <a:lstStyle/>
+            <a:p/>
+          </p:txBody>
+        </p:sp>
+        <p:sp>
+          <p:nvSpPr>
+            <p:cNvPr id="14" name="pt14"/>
+            <p:cNvSpPr/>
+            <p:nvPr/>
+          </p:nvSpPr>
+          <p:spPr>
+            <a:xfrm>
+              <a:off x="4478418" y="3915044"/>
+              <a:ext cx="49651" cy="49651"/>
+            </a:xfrm>
+            <a:prstGeom prst="ellipse">
+              <a:avLst/>
+            </a:prstGeom>
+            <a:solidFill>
+              <a:srgbClr val="00BF7D">
+                <a:alpha val="100000"/>
+              </a:srgbClr>
+            </a:solidFill>
+            <a:ln w="9000" cap="rnd">
+              <a:solidFill>
+                <a:srgbClr val="00BF7D">
+                  <a:alpha val="100000"/>
+                </a:srgbClr>
+              </a:solidFill>
+              <a:prstDash val="solid"/>
+              <a:round/>
+            </a:ln>
+          </p:spPr>
+          <p:txBody>
+            <a:bodyPr/>
+            <a:lstStyle/>
+            <a:p/>
+          </p:txBody>
+        </p:sp>
+        <p:sp>
+          <p:nvSpPr>
+            <p:cNvPr id="15" name="pt15"/>
+            <p:cNvSpPr/>
+            <p:nvPr/>
+          </p:nvSpPr>
+          <p:spPr>
+            <a:xfrm>
+              <a:off x="3028220" y="2451405"/>
+              <a:ext cx="49651" cy="49651"/>
+            </a:xfrm>
+            <a:prstGeom prst="ellipse">
+              <a:avLst/>
+            </a:prstGeom>
+            <a:solidFill>
+              <a:srgbClr val="00BF7D">
+                <a:alpha val="100000"/>
+              </a:srgbClr>
+            </a:solidFill>
+            <a:ln w="9000" cap="rnd">
+              <a:solidFill>
+                <a:srgbClr val="00BF7D">
+                  <a:alpha val="100000"/>
+                </a:srgbClr>
+              </a:solidFill>
+              <a:prstDash val="solid"/>
+              <a:round/>
+            </a:ln>
+          </p:spPr>
+          <p:txBody>
+            <a:bodyPr/>
+            <a:lstStyle/>
+            <a:p/>
+          </p:txBody>
+        </p:sp>
+        <p:sp>
+          <p:nvSpPr>
+            <p:cNvPr id="16" name="pt16"/>
+            <p:cNvSpPr/>
+            <p:nvPr/>
+          </p:nvSpPr>
+          <p:spPr>
+            <a:xfrm>
+              <a:off x="1781565" y="3069706"/>
+              <a:ext cx="49651" cy="49651"/>
+            </a:xfrm>
+            <a:prstGeom prst="ellipse">
+              <a:avLst/>
+            </a:prstGeom>
+            <a:solidFill>
+              <a:srgbClr val="00BF7D">
+                <a:alpha val="100000"/>
+              </a:srgbClr>
+            </a:solidFill>
+            <a:ln w="9000" cap="rnd">
+              <a:solidFill>
+                <a:srgbClr val="00BF7D">
+                  <a:alpha val="100000"/>
+                </a:srgbClr>
+              </a:solidFill>
+              <a:prstDash val="solid"/>
+              <a:round/>
+            </a:ln>
+          </p:spPr>
+          <p:txBody>
+            <a:bodyPr/>
+            <a:lstStyle/>
+            <a:p/>
+          </p:txBody>
+        </p:sp>
+        <p:sp>
+          <p:nvSpPr>
+            <p:cNvPr id="17" name="pt17"/>
+            <p:cNvSpPr/>
+            <p:nvPr/>
+          </p:nvSpPr>
+          <p:spPr>
+            <a:xfrm>
+              <a:off x="3643386" y="1458766"/>
+              <a:ext cx="49651" cy="49651"/>
+            </a:xfrm>
+            <a:prstGeom prst="ellipse">
+              <a:avLst/>
+            </a:prstGeom>
+            <a:solidFill>
+              <a:srgbClr val="00BF7D">
+                <a:alpha val="100000"/>
+              </a:srgbClr>
+            </a:solidFill>
+            <a:ln w="9000" cap="rnd">
+              <a:solidFill>
+                <a:srgbClr val="00BF7D">
+                  <a:alpha val="100000"/>
+                </a:srgbClr>
+              </a:solidFill>
+              <a:prstDash val="solid"/>
+              <a:round/>
+            </a:ln>
+          </p:spPr>
+          <p:txBody>
+            <a:bodyPr/>
+            <a:lstStyle/>
+            <a:p/>
+          </p:txBody>
+        </p:sp>
+        <p:sp>
+          <p:nvSpPr>
+            <p:cNvPr id="18" name="pt18"/>
+            <p:cNvSpPr/>
+            <p:nvPr/>
+          </p:nvSpPr>
+          <p:spPr>
+            <a:xfrm>
+              <a:off x="2933225" y="3401449"/>
               <a:ext cx="49651" cy="49651"/>
             </a:xfrm>
             <a:prstGeom prst="ellipse">
@@ -2447,13 +2797,13 @@
         </p:sp>
         <p:sp>
           <p:nvSpPr>
-            <p:cNvPr id="9" name="pt9"/>
-            <p:cNvSpPr/>
-            <p:nvPr/>
-          </p:nvSpPr>
-          <p:spPr>
-            <a:xfrm>
-              <a:off x="4688543" y="3543579"/>
+            <p:cNvPr id="19" name="pt19"/>
+            <p:cNvSpPr/>
+            <p:nvPr/>
+          </p:nvSpPr>
+          <p:spPr>
+            <a:xfrm>
+              <a:off x="1635808" y="2167789"/>
               <a:ext cx="49651" cy="49651"/>
             </a:xfrm>
             <a:prstGeom prst="ellipse">
@@ -2482,13 +2832,13 @@
         </p:sp>
         <p:sp>
           <p:nvSpPr>
-            <p:cNvPr id="10" name="pt10"/>
-            <p:cNvSpPr/>
-            <p:nvPr/>
-          </p:nvSpPr>
-          <p:spPr>
-            <a:xfrm>
-              <a:off x="3235481" y="3440980"/>
+            <p:cNvPr id="20" name="pt20"/>
+            <p:cNvSpPr/>
+            <p:nvPr/>
+          </p:nvSpPr>
+          <p:spPr>
+            <a:xfrm>
+              <a:off x="2941705" y="1099919"/>
               <a:ext cx="49651" cy="49651"/>
             </a:xfrm>
             <a:prstGeom prst="ellipse">
@@ -2517,13 +2867,13 @@
         </p:sp>
         <p:sp>
           <p:nvSpPr>
-            <p:cNvPr id="11" name="pt11"/>
-            <p:cNvSpPr/>
-            <p:nvPr/>
-          </p:nvSpPr>
-          <p:spPr>
-            <a:xfrm>
-              <a:off x="5095339" y="2938288"/>
+            <p:cNvPr id="21" name="pt21"/>
+            <p:cNvSpPr/>
+            <p:nvPr/>
+          </p:nvSpPr>
+          <p:spPr>
+            <a:xfrm>
+              <a:off x="3938197" y="2333040"/>
               <a:ext cx="49651" cy="49651"/>
             </a:xfrm>
             <a:prstGeom prst="ellipse">
@@ -2552,13 +2902,13 @@
         </p:sp>
         <p:sp>
           <p:nvSpPr>
-            <p:cNvPr id="12" name="pt12"/>
-            <p:cNvSpPr/>
-            <p:nvPr/>
-          </p:nvSpPr>
-          <p:spPr>
-            <a:xfrm>
-              <a:off x="3618614" y="1862907"/>
+            <p:cNvPr id="22" name="pt22"/>
+            <p:cNvSpPr/>
+            <p:nvPr/>
+          </p:nvSpPr>
+          <p:spPr>
+            <a:xfrm>
+              <a:off x="1781565" y="3069706"/>
               <a:ext cx="49651" cy="49651"/>
             </a:xfrm>
             <a:prstGeom prst="ellipse">
@@ -2587,13 +2937,13 @@
         </p:sp>
         <p:sp>
           <p:nvSpPr>
-            <p:cNvPr id="13" name="pt13"/>
-            <p:cNvSpPr/>
-            <p:nvPr/>
-          </p:nvSpPr>
-          <p:spPr>
-            <a:xfrm>
-              <a:off x="1781621" y="3069789"/>
+            <p:cNvPr id="23" name="pt23"/>
+            <p:cNvSpPr/>
+            <p:nvPr/>
+          </p:nvSpPr>
+          <p:spPr>
+            <a:xfrm>
+              <a:off x="6487706" y="2801686"/>
               <a:ext cx="49651" cy="49651"/>
             </a:xfrm>
             <a:prstGeom prst="ellipse">
@@ -2622,13 +2972,13 @@
         </p:sp>
         <p:sp>
           <p:nvSpPr>
-            <p:cNvPr id="14" name="pt14"/>
-            <p:cNvSpPr/>
-            <p:nvPr/>
-          </p:nvSpPr>
-          <p:spPr>
-            <a:xfrm>
-              <a:off x="4478353" y="3915044"/>
+            <p:cNvPr id="24" name="pt24"/>
+            <p:cNvSpPr/>
+            <p:nvPr/>
+          </p:nvSpPr>
+          <p:spPr>
+            <a:xfrm>
+              <a:off x="3364356" y="2075013"/>
               <a:ext cx="49651" cy="49651"/>
             </a:xfrm>
             <a:prstGeom prst="ellipse">
@@ -2657,13 +3007,13 @@
         </p:sp>
         <p:sp>
           <p:nvSpPr>
-            <p:cNvPr id="15" name="pt15"/>
-            <p:cNvSpPr/>
-            <p:nvPr/>
-          </p:nvSpPr>
-          <p:spPr>
-            <a:xfrm>
-              <a:off x="3028249" y="2451392"/>
+            <p:cNvPr id="25" name="pt25"/>
+            <p:cNvSpPr/>
+            <p:nvPr/>
+          </p:nvSpPr>
+          <p:spPr>
+            <a:xfrm>
+              <a:off x="3028220" y="2451405"/>
               <a:ext cx="49651" cy="49651"/>
             </a:xfrm>
             <a:prstGeom prst="ellipse">
@@ -2692,13 +3042,13 @@
         </p:sp>
         <p:sp>
           <p:nvSpPr>
-            <p:cNvPr id="16" name="pt16"/>
-            <p:cNvSpPr/>
-            <p:nvPr/>
-          </p:nvSpPr>
-          <p:spPr>
-            <a:xfrm>
-              <a:off x="1781620" y="3069790"/>
+            <p:cNvPr id="26" name="pt26"/>
+            <p:cNvSpPr/>
+            <p:nvPr/>
+          </p:nvSpPr>
+          <p:spPr>
+            <a:xfrm>
+              <a:off x="5610025" y="3059954"/>
               <a:ext cx="49651" cy="49651"/>
             </a:xfrm>
             <a:prstGeom prst="ellipse">
@@ -2727,13 +3077,13 @@
         </p:sp>
         <p:sp>
           <p:nvSpPr>
-            <p:cNvPr id="17" name="pt17"/>
-            <p:cNvSpPr/>
-            <p:nvPr/>
-          </p:nvSpPr>
-          <p:spPr>
-            <a:xfrm>
-              <a:off x="3643436" y="1458762"/>
+            <p:cNvPr id="27" name="pt27"/>
+            <p:cNvSpPr/>
+            <p:nvPr/>
+          </p:nvSpPr>
+          <p:spPr>
+            <a:xfrm>
+              <a:off x="3214134" y="1994727"/>
               <a:ext cx="49651" cy="49651"/>
             </a:xfrm>
             <a:prstGeom prst="ellipse">
@@ -2762,13 +3112,13 @@
         </p:sp>
         <p:sp>
           <p:nvSpPr>
-            <p:cNvPr id="18" name="pt18"/>
-            <p:cNvSpPr/>
-            <p:nvPr/>
-          </p:nvSpPr>
-          <p:spPr>
-            <a:xfrm>
-              <a:off x="2933262" y="3401498"/>
+            <p:cNvPr id="28" name="pt28"/>
+            <p:cNvSpPr/>
+            <p:nvPr/>
+          </p:nvSpPr>
+          <p:spPr>
+            <a:xfrm>
+              <a:off x="6078336" y="2231564"/>
               <a:ext cx="49651" cy="49651"/>
             </a:xfrm>
             <a:prstGeom prst="ellipse">
@@ -2797,13 +3147,13 @@
         </p:sp>
         <p:sp>
           <p:nvSpPr>
-            <p:cNvPr id="19" name="pt19"/>
-            <p:cNvSpPr/>
-            <p:nvPr/>
-          </p:nvSpPr>
-          <p:spPr>
-            <a:xfrm>
-              <a:off x="1635808" y="2167919"/>
+            <p:cNvPr id="29" name="pt29"/>
+            <p:cNvSpPr/>
+            <p:nvPr/>
+          </p:nvSpPr>
+          <p:spPr>
+            <a:xfrm>
+              <a:off x="6543509" y="1835361"/>
               <a:ext cx="49651" cy="49651"/>
             </a:xfrm>
             <a:prstGeom prst="ellipse">
@@ -2832,13 +3182,13 @@
         </p:sp>
         <p:sp>
           <p:nvSpPr>
-            <p:cNvPr id="20" name="pt20"/>
-            <p:cNvSpPr/>
-            <p:nvPr/>
-          </p:nvSpPr>
-          <p:spPr>
-            <a:xfrm>
-              <a:off x="2941680" y="1099919"/>
+            <p:cNvPr id="30" name="pt30"/>
+            <p:cNvSpPr/>
+            <p:nvPr/>
+          </p:nvSpPr>
+          <p:spPr>
+            <a:xfrm>
+              <a:off x="5665926" y="2643339"/>
               <a:ext cx="49651" cy="49651"/>
             </a:xfrm>
             <a:prstGeom prst="ellipse">
@@ -2867,13 +3217,13 @@
         </p:sp>
         <p:sp>
           <p:nvSpPr>
-            <p:cNvPr id="21" name="pt21"/>
-            <p:cNvSpPr/>
-            <p:nvPr/>
-          </p:nvSpPr>
-          <p:spPr>
-            <a:xfrm>
-              <a:off x="3938284" y="2332951"/>
+            <p:cNvPr id="31" name="pt31"/>
+            <p:cNvSpPr/>
+            <p:nvPr/>
+          </p:nvSpPr>
+          <p:spPr>
+            <a:xfrm>
+              <a:off x="6780662" y="2529047"/>
               <a:ext cx="49651" cy="49651"/>
             </a:xfrm>
             <a:prstGeom prst="ellipse">
@@ -2902,13 +3252,13 @@
         </p:sp>
         <p:sp>
           <p:nvSpPr>
-            <p:cNvPr id="22" name="pt22"/>
-            <p:cNvSpPr/>
-            <p:nvPr/>
-          </p:nvSpPr>
-          <p:spPr>
-            <a:xfrm>
-              <a:off x="1781621" y="3069789"/>
+            <p:cNvPr id="32" name="pt32"/>
+            <p:cNvSpPr/>
+            <p:nvPr/>
+          </p:nvSpPr>
+          <p:spPr>
+            <a:xfrm>
+              <a:off x="5299345" y="2722491"/>
               <a:ext cx="49651" cy="49651"/>
             </a:xfrm>
             <a:prstGeom prst="ellipse">
@@ -2937,383 +3287,27 @@
         </p:sp>
         <p:sp>
           <p:nvSpPr>
-            <p:cNvPr id="23" name="pt23"/>
-            <p:cNvSpPr/>
-            <p:nvPr/>
-          </p:nvSpPr>
-          <p:spPr>
-            <a:xfrm>
-              <a:off x="6487826" y="2801700"/>
-              <a:ext cx="49651" cy="49651"/>
-            </a:xfrm>
-            <a:prstGeom prst="ellipse">
-              <a:avLst/>
-            </a:prstGeom>
-            <a:solidFill>
-              <a:srgbClr val="A3A500">
-                <a:alpha val="100000"/>
-              </a:srgbClr>
-            </a:solidFill>
-            <a:ln w="9000" cap="rnd">
-              <a:solidFill>
-                <a:srgbClr val="A3A500">
-                  <a:alpha val="100000"/>
-                </a:srgbClr>
-              </a:solidFill>
-              <a:prstDash val="solid"/>
-              <a:round/>
-            </a:ln>
-          </p:spPr>
-          <p:txBody>
-            <a:bodyPr/>
-            <a:lstStyle/>
-            <a:p/>
-          </p:txBody>
-        </p:sp>
-        <p:sp>
-          <p:nvSpPr>
-            <p:cNvPr id="24" name="pt24"/>
-            <p:cNvSpPr/>
-            <p:nvPr/>
-          </p:nvSpPr>
-          <p:spPr>
-            <a:xfrm>
-              <a:off x="3364458" y="2074918"/>
-              <a:ext cx="49651" cy="49651"/>
-            </a:xfrm>
-            <a:prstGeom prst="ellipse">
-              <a:avLst/>
-            </a:prstGeom>
-            <a:solidFill>
-              <a:srgbClr val="A3A500">
-                <a:alpha val="100000"/>
-              </a:srgbClr>
-            </a:solidFill>
-            <a:ln w="9000" cap="rnd">
-              <a:solidFill>
-                <a:srgbClr val="A3A500">
-                  <a:alpha val="100000"/>
-                </a:srgbClr>
-              </a:solidFill>
-              <a:prstDash val="solid"/>
-              <a:round/>
-            </a:ln>
-          </p:spPr>
-          <p:txBody>
-            <a:bodyPr/>
-            <a:lstStyle/>
-            <a:p/>
-          </p:txBody>
-        </p:sp>
-        <p:sp>
-          <p:nvSpPr>
-            <p:cNvPr id="25" name="pt25"/>
-            <p:cNvSpPr/>
-            <p:nvPr/>
-          </p:nvSpPr>
-          <p:spPr>
-            <a:xfrm>
-              <a:off x="3028249" y="2451392"/>
-              <a:ext cx="49651" cy="49651"/>
-            </a:xfrm>
-            <a:prstGeom prst="ellipse">
-              <a:avLst/>
-            </a:prstGeom>
-            <a:solidFill>
-              <a:srgbClr val="A3A500">
-                <a:alpha val="100000"/>
-              </a:srgbClr>
-            </a:solidFill>
-            <a:ln w="9000" cap="rnd">
-              <a:solidFill>
-                <a:srgbClr val="A3A500">
-                  <a:alpha val="100000"/>
-                </a:srgbClr>
-              </a:solidFill>
-              <a:prstDash val="solid"/>
-              <a:round/>
-            </a:ln>
-          </p:spPr>
-          <p:txBody>
-            <a:bodyPr/>
-            <a:lstStyle/>
-            <a:p/>
-          </p:txBody>
-        </p:sp>
-        <p:sp>
-          <p:nvSpPr>
-            <p:cNvPr id="26" name="pt26"/>
-            <p:cNvSpPr/>
-            <p:nvPr/>
-          </p:nvSpPr>
-          <p:spPr>
-            <a:xfrm>
-              <a:off x="5610083" y="3060011"/>
-              <a:ext cx="49651" cy="49651"/>
-            </a:xfrm>
-            <a:prstGeom prst="ellipse">
-              <a:avLst/>
-            </a:prstGeom>
-            <a:solidFill>
-              <a:srgbClr val="A3A500">
-                <a:alpha val="100000"/>
-              </a:srgbClr>
-            </a:solidFill>
-            <a:ln w="9000" cap="rnd">
-              <a:solidFill>
-                <a:srgbClr val="A3A500">
-                  <a:alpha val="100000"/>
-                </a:srgbClr>
-              </a:solidFill>
-              <a:prstDash val="solid"/>
-              <a:round/>
-            </a:ln>
-          </p:spPr>
-          <p:txBody>
-            <a:bodyPr/>
-            <a:lstStyle/>
-            <a:p/>
-          </p:txBody>
-        </p:sp>
-        <p:sp>
-          <p:nvSpPr>
-            <p:cNvPr id="27" name="pt27"/>
-            <p:cNvSpPr/>
-            <p:nvPr/>
-          </p:nvSpPr>
-          <p:spPr>
-            <a:xfrm>
-              <a:off x="3214123" y="1994757"/>
-              <a:ext cx="49651" cy="49651"/>
-            </a:xfrm>
-            <a:prstGeom prst="ellipse">
-              <a:avLst/>
-            </a:prstGeom>
-            <a:solidFill>
-              <a:srgbClr val="A3A500">
-                <a:alpha val="100000"/>
-              </a:srgbClr>
-            </a:solidFill>
-            <a:ln w="9000" cap="rnd">
-              <a:solidFill>
-                <a:srgbClr val="A3A500">
-                  <a:alpha val="100000"/>
-                </a:srgbClr>
-              </a:solidFill>
-              <a:prstDash val="solid"/>
-              <a:round/>
-            </a:ln>
-          </p:spPr>
-          <p:txBody>
-            <a:bodyPr/>
-            <a:lstStyle/>
-            <a:p/>
-          </p:txBody>
-        </p:sp>
-        <p:sp>
-          <p:nvSpPr>
-            <p:cNvPr id="28" name="pt28"/>
-            <p:cNvSpPr/>
-            <p:nvPr/>
-          </p:nvSpPr>
-          <p:spPr>
-            <a:xfrm>
-              <a:off x="6078377" y="2231615"/>
-              <a:ext cx="49651" cy="49651"/>
-            </a:xfrm>
-            <a:prstGeom prst="ellipse">
-              <a:avLst/>
-            </a:prstGeom>
-            <a:solidFill>
-              <a:srgbClr val="00BF7D">
-                <a:alpha val="100000"/>
-              </a:srgbClr>
-            </a:solidFill>
-            <a:ln w="9000" cap="rnd">
-              <a:solidFill>
-                <a:srgbClr val="00BF7D">
-                  <a:alpha val="100000"/>
-                </a:srgbClr>
-              </a:solidFill>
-              <a:prstDash val="solid"/>
-              <a:round/>
-            </a:ln>
-          </p:spPr>
-          <p:txBody>
-            <a:bodyPr/>
-            <a:lstStyle/>
-            <a:p/>
-          </p:txBody>
-        </p:sp>
-        <p:sp>
-          <p:nvSpPr>
-            <p:cNvPr id="29" name="pt29"/>
-            <p:cNvSpPr/>
-            <p:nvPr/>
-          </p:nvSpPr>
-          <p:spPr>
-            <a:xfrm>
-              <a:off x="6543554" y="1835399"/>
-              <a:ext cx="49651" cy="49651"/>
-            </a:xfrm>
-            <a:prstGeom prst="ellipse">
-              <a:avLst/>
-            </a:prstGeom>
-            <a:solidFill>
-              <a:srgbClr val="00BF7D">
-                <a:alpha val="100000"/>
-              </a:srgbClr>
-            </a:solidFill>
-            <a:ln w="9000" cap="rnd">
-              <a:solidFill>
-                <a:srgbClr val="00BF7D">
-                  <a:alpha val="100000"/>
-                </a:srgbClr>
-              </a:solidFill>
-              <a:prstDash val="solid"/>
-              <a:round/>
-            </a:ln>
-          </p:spPr>
-          <p:txBody>
-            <a:bodyPr/>
-            <a:lstStyle/>
-            <a:p/>
-          </p:txBody>
-        </p:sp>
-        <p:sp>
-          <p:nvSpPr>
-            <p:cNvPr id="30" name="pt30"/>
-            <p:cNvSpPr/>
-            <p:nvPr/>
-          </p:nvSpPr>
-          <p:spPr>
-            <a:xfrm>
-              <a:off x="5666028" y="2643452"/>
-              <a:ext cx="49651" cy="49651"/>
-            </a:xfrm>
-            <a:prstGeom prst="ellipse">
-              <a:avLst/>
-            </a:prstGeom>
-            <a:solidFill>
-              <a:srgbClr val="00BF7D">
-                <a:alpha val="100000"/>
-              </a:srgbClr>
-            </a:solidFill>
-            <a:ln w="9000" cap="rnd">
-              <a:solidFill>
-                <a:srgbClr val="00BF7D">
-                  <a:alpha val="100000"/>
-                </a:srgbClr>
-              </a:solidFill>
-              <a:prstDash val="solid"/>
-              <a:round/>
-            </a:ln>
-          </p:spPr>
-          <p:txBody>
-            <a:bodyPr/>
-            <a:lstStyle/>
-            <a:p/>
-          </p:txBody>
-        </p:sp>
-        <p:sp>
-          <p:nvSpPr>
-            <p:cNvPr id="31" name="pt31"/>
-            <p:cNvSpPr/>
-            <p:nvPr/>
-          </p:nvSpPr>
-          <p:spPr>
-            <a:xfrm>
-              <a:off x="6780662" y="2529142"/>
-              <a:ext cx="49651" cy="49651"/>
-            </a:xfrm>
-            <a:prstGeom prst="ellipse">
-              <a:avLst/>
-            </a:prstGeom>
-            <a:solidFill>
-              <a:srgbClr val="00BF7D">
-                <a:alpha val="100000"/>
-              </a:srgbClr>
-            </a:solidFill>
-            <a:ln w="9000" cap="rnd">
-              <a:solidFill>
-                <a:srgbClr val="00BF7D">
-                  <a:alpha val="100000"/>
-                </a:srgbClr>
-              </a:solidFill>
-              <a:prstDash val="solid"/>
-              <a:round/>
-            </a:ln>
-          </p:spPr>
-          <p:txBody>
-            <a:bodyPr/>
-            <a:lstStyle/>
-            <a:p/>
-          </p:txBody>
-        </p:sp>
-        <p:sp>
-          <p:nvSpPr>
-            <p:cNvPr id="32" name="pt32"/>
-            <p:cNvSpPr/>
-            <p:nvPr/>
-          </p:nvSpPr>
-          <p:spPr>
-            <a:xfrm>
-              <a:off x="5299461" y="2722529"/>
-              <a:ext cx="49651" cy="49651"/>
-            </a:xfrm>
-            <a:prstGeom prst="ellipse">
-              <a:avLst/>
-            </a:prstGeom>
-            <a:solidFill>
-              <a:srgbClr val="00BF7D">
-                <a:alpha val="100000"/>
-              </a:srgbClr>
-            </a:solidFill>
-            <a:ln w="9000" cap="rnd">
-              <a:solidFill>
-                <a:srgbClr val="00BF7D">
-                  <a:alpha val="100000"/>
-                </a:srgbClr>
-              </a:solidFill>
-              <a:prstDash val="solid"/>
-              <a:round/>
-            </a:ln>
-          </p:spPr>
-          <p:txBody>
-            <a:bodyPr/>
-            <a:lstStyle/>
-            <a:p/>
-          </p:txBody>
-        </p:sp>
-        <p:sp>
-          <p:nvSpPr>
             <p:cNvPr id="33" name="pg33"/>
             <p:cNvSpPr/>
             <p:nvPr/>
           </p:nvSpPr>
           <p:spPr>
             <a:xfrm>
-              <a:off x="1660634" y="1124745"/>
-              <a:ext cx="2302475" cy="2301579"/>
+              <a:off x="5324171" y="1860187"/>
+              <a:ext cx="1481317" cy="887130"/>
             </a:xfrm>
             <a:custGeom>
               <a:avLst/>
               <a:pathLst>
-                <a:path w="2302475" h="2301579">
+                <a:path w="1481317" h="887130">
                   <a:moveTo>
-                    <a:pt x="1297453" y="2301579"/>
+                    <a:pt x="1481317" y="693685"/>
                   </a:moveTo>
                   <a:lnTo>
-                    <a:pt x="145812" y="1969870"/>
+                    <a:pt x="0" y="887130"/>
                   </a:lnTo>
                   <a:lnTo>
-                    <a:pt x="0" y="1068000"/>
-                  </a:lnTo>
-                  <a:lnTo>
-                    <a:pt x="1305871" y="0"/>
-                  </a:lnTo>
-                  <a:lnTo>
-                    <a:pt x="2302475" y="1233032"/>
+                    <a:pt x="1244164" y="0"/>
                   </a:lnTo>
                   <a:close/>
                 </a:path>
@@ -3339,24 +3333,24 @@
           </p:nvSpPr>
           <p:spPr>
             <a:xfrm>
-              <a:off x="3053075" y="2019583"/>
-              <a:ext cx="3459576" cy="1065254"/>
+              <a:off x="3260272" y="1887798"/>
+              <a:ext cx="1859827" cy="1680562"/>
             </a:xfrm>
             <a:custGeom>
               <a:avLst/>
               <a:pathLst>
-                <a:path w="3459576" h="1065254">
+                <a:path w="1859827" h="1680562">
                   <a:moveTo>
-                    <a:pt x="3459576" y="806943"/>
+                    <a:pt x="1453054" y="1680562"/>
                   </a:moveTo>
                   <a:lnTo>
-                    <a:pt x="2581833" y="1065254"/>
+                    <a:pt x="0" y="1577991"/>
                   </a:lnTo>
                   <a:lnTo>
-                    <a:pt x="0" y="456635"/>
+                    <a:pt x="383069" y="0"/>
                   </a:lnTo>
                   <a:lnTo>
-                    <a:pt x="185873" y="0"/>
+                    <a:pt x="1859827" y="1075300"/>
                   </a:lnTo>
                   <a:close/>
                 </a:path>
@@ -3382,21 +3376,21 @@
           </p:nvSpPr>
           <p:spPr>
             <a:xfrm>
-              <a:off x="5324287" y="1860224"/>
-              <a:ext cx="1481201" cy="887129"/>
+              <a:off x="1806391" y="1483592"/>
+              <a:ext cx="2696853" cy="2456277"/>
             </a:xfrm>
             <a:custGeom>
               <a:avLst/>
               <a:pathLst>
-                <a:path w="1481201" h="887129">
+                <a:path w="2696853" h="2456277">
                   <a:moveTo>
-                    <a:pt x="1481201" y="693743"/>
+                    <a:pt x="2696853" y="2456277"/>
                   </a:moveTo>
                   <a:lnTo>
-                    <a:pt x="0" y="887129"/>
+                    <a:pt x="0" y="1610939"/>
                   </a:lnTo>
                   <a:lnTo>
-                    <a:pt x="1244093" y="0"/>
+                    <a:pt x="1861820" y="0"/>
                   </a:lnTo>
                   <a:close/>
                 </a:path>
@@ -3422,21 +3416,24 @@
           </p:nvSpPr>
           <p:spPr>
             <a:xfrm>
-              <a:off x="1806446" y="1483588"/>
-              <a:ext cx="2696732" cy="2456282"/>
+              <a:off x="3053046" y="2019553"/>
+              <a:ext cx="3459486" cy="1065227"/>
             </a:xfrm>
             <a:custGeom>
               <a:avLst/>
               <a:pathLst>
-                <a:path w="2696732" h="2456282">
+                <a:path w="3459486" h="1065227">
                   <a:moveTo>
-                    <a:pt x="2696732" y="2456282"/>
+                    <a:pt x="3459486" y="806959"/>
                   </a:moveTo>
                   <a:lnTo>
-                    <a:pt x="0" y="1611027"/>
+                    <a:pt x="2581804" y="1065227"/>
                   </a:lnTo>
                   <a:lnTo>
-                    <a:pt x="1861815" y="0"/>
+                    <a:pt x="0" y="456677"/>
+                  </a:lnTo>
+                  <a:lnTo>
+                    <a:pt x="185913" y="0"/>
                   </a:lnTo>
                   <a:close/>
                 </a:path>
@@ -3462,24 +3459,27 @@
           </p:nvSpPr>
           <p:spPr>
             <a:xfrm>
-              <a:off x="3260307" y="1887733"/>
-              <a:ext cx="1859857" cy="1680671"/>
+              <a:off x="1660634" y="1124745"/>
+              <a:ext cx="2302388" cy="2301530"/>
             </a:xfrm>
             <a:custGeom>
               <a:avLst/>
               <a:pathLst>
-                <a:path w="1859857" h="1680671">
+                <a:path w="2302388" h="2301530">
                   <a:moveTo>
-                    <a:pt x="1453061" y="1680671"/>
+                    <a:pt x="1297416" y="2301530"/>
                   </a:moveTo>
                   <a:lnTo>
-                    <a:pt x="0" y="1578073"/>
+                    <a:pt x="145757" y="1969787"/>
                   </a:lnTo>
                   <a:lnTo>
-                    <a:pt x="383132" y="0"/>
+                    <a:pt x="0" y="1067870"/>
                   </a:lnTo>
                   <a:lnTo>
-                    <a:pt x="1859857" y="1075380"/>
+                    <a:pt x="1305896" y="0"/>
+                  </a:lnTo>
+                  <a:lnTo>
+                    <a:pt x="2302388" y="1233121"/>
                   </a:lnTo>
                   <a:close/>
                 </a:path>
@@ -3505,18 +3505,18 @@
           </p:nvSpPr>
           <p:spPr>
             <a:xfrm>
-              <a:off x="4046210" y="2617841"/>
-              <a:ext cx="1841034" cy="930116"/>
+              <a:off x="4046163" y="2617814"/>
+              <a:ext cx="1841043" cy="930073"/>
             </a:xfrm>
             <a:custGeom>
               <a:avLst/>
               <a:pathLst>
-                <a:path w="1841034" h="930116">
+                <a:path w="1841043" h="930073">
                   <a:moveTo>
                     <a:pt x="0" y="0"/>
                   </a:moveTo>
                   <a:lnTo>
-                    <a:pt x="1841034" y="930116"/>
+                    <a:pt x="1841043" y="930073"/>
                   </a:lnTo>
                 </a:path>
               </a:pathLst>
@@ -3545,7 +3545,7 @@
           </p:nvSpPr>
           <p:spPr>
             <a:xfrm>
-              <a:off x="5832466" y="3502047"/>
+              <a:off x="5832428" y="3501978"/>
               <a:ext cx="54778" cy="48969"/>
             </a:xfrm>
             <a:custGeom>
@@ -3556,10 +3556,10 @@
                     <a:pt x="0" y="48969"/>
                   </a:moveTo>
                   <a:lnTo>
-                    <a:pt x="54778" y="45910"/>
+                    <a:pt x="54778" y="45909"/>
                   </a:lnTo>
                   <a:lnTo>
-                    <a:pt x="24739" y="0"/>
+                    <a:pt x="24738" y="0"/>
                   </a:lnTo>
                 </a:path>
               </a:pathLst>
@@ -3588,18 +3588,18 @@
           </p:nvSpPr>
           <p:spPr>
             <a:xfrm>
-              <a:off x="4046210" y="1579650"/>
-              <a:ext cx="1132227" cy="1038190"/>
+              <a:off x="4046163" y="1579688"/>
+              <a:ext cx="1132206" cy="1038126"/>
             </a:xfrm>
             <a:custGeom>
               <a:avLst/>
               <a:pathLst>
-                <a:path w="1132227" h="1038190">
+                <a:path w="1132206" h="1038126">
                   <a:moveTo>
-                    <a:pt x="0" y="1038190"/>
+                    <a:pt x="0" y="1038126"/>
                   </a:moveTo>
                   <a:lnTo>
-                    <a:pt x="1132227" y="0"/>
+                    <a:pt x="1132206" y="0"/>
                   </a:lnTo>
                 </a:path>
               </a:pathLst>
@@ -3628,21 +3628,21 @@
           </p:nvSpPr>
           <p:spPr>
             <a:xfrm>
-              <a:off x="5124878" y="1579650"/>
-              <a:ext cx="53559" cy="52330"/>
+              <a:off x="5124810" y="1579688"/>
+              <a:ext cx="53559" cy="52329"/>
             </a:xfrm>
             <a:custGeom>
               <a:avLst/>
               <a:pathLst>
-                <a:path w="53559" h="52330">
+                <a:path w="53559" h="52329">
                   <a:moveTo>
-                    <a:pt x="37079" y="52330"/>
+                    <a:pt x="37078" y="52329"/>
                   </a:moveTo>
                   <a:lnTo>
                     <a:pt x="53559" y="0"/>
                   </a:lnTo>
                   <a:lnTo>
-                    <a:pt x="0" y="11892"/>
+                    <a:pt x="0" y="11891"/>
                   </a:lnTo>
                 </a:path>
               </a:pathLst>
@@ -3671,18 +3671,18 @@
           </p:nvSpPr>
           <p:spPr>
             <a:xfrm>
-              <a:off x="4046210" y="2617841"/>
-              <a:ext cx="1415033" cy="866456"/>
+              <a:off x="4046163" y="2617814"/>
+              <a:ext cx="1415030" cy="866397"/>
             </a:xfrm>
             <a:custGeom>
               <a:avLst/>
               <a:pathLst>
-                <a:path w="1415033" h="866456">
+                <a:path w="1415030" h="866397">
                   <a:moveTo>
                     <a:pt x="0" y="0"/>
                   </a:moveTo>
                   <a:lnTo>
-                    <a:pt x="1415033" y="866456"/>
+                    <a:pt x="1415030" y="866397"/>
                   </a:lnTo>
                 </a:path>
               </a:pathLst>
@@ -3711,21 +3711,21 @@
           </p:nvSpPr>
           <p:spPr>
             <a:xfrm>
-              <a:off x="5406397" y="3436090"/>
-              <a:ext cx="54845" cy="48206"/>
+              <a:off x="5406349" y="3436006"/>
+              <a:ext cx="54845" cy="48205"/>
             </a:xfrm>
             <a:custGeom>
               <a:avLst/>
               <a:pathLst>
-                <a:path w="54845" h="48206">
+                <a:path w="54845" h="48205">
                   <a:moveTo>
-                    <a:pt x="0" y="46789"/>
+                    <a:pt x="0" y="46790"/>
                   </a:moveTo>
                   <a:lnTo>
-                    <a:pt x="54845" y="48206"/>
+                    <a:pt x="54845" y="48205"/>
                   </a:lnTo>
                   <a:lnTo>
-                    <a:pt x="28650" y="0"/>
+                    <a:pt x="28648" y="0"/>
                   </a:lnTo>
                 </a:path>
               </a:pathLst>
@@ -3754,18 +3754,18 @@
           </p:nvSpPr>
           <p:spPr>
             <a:xfrm>
-              <a:off x="4046210" y="2617841"/>
-              <a:ext cx="624321" cy="744087"/>
+              <a:off x="4046163" y="2617814"/>
+              <a:ext cx="624298" cy="744126"/>
             </a:xfrm>
             <a:custGeom>
               <a:avLst/>
               <a:pathLst>
-                <a:path w="624321" h="744087">
+                <a:path w="624298" h="744126">
                   <a:moveTo>
                     <a:pt x="0" y="0"/>
                   </a:moveTo>
                   <a:lnTo>
-                    <a:pt x="624321" y="744087"/>
+                    <a:pt x="624298" y="744126"/>
                   </a:lnTo>
                 </a:path>
               </a:pathLst>
@@ -3794,21 +3794,21 @@
           </p:nvSpPr>
           <p:spPr>
             <a:xfrm>
-              <a:off x="4618976" y="3307897"/>
-              <a:ext cx="51554" cy="54030"/>
+              <a:off x="4618908" y="3307909"/>
+              <a:ext cx="51553" cy="54031"/>
             </a:xfrm>
             <a:custGeom>
               <a:avLst/>
               <a:pathLst>
-                <a:path w="51554" h="54030">
+                <a:path w="51553" h="54031">
                   <a:moveTo>
-                    <a:pt x="0" y="35264"/>
+                    <a:pt x="0" y="35262"/>
                   </a:moveTo>
                   <a:lnTo>
-                    <a:pt x="51554" y="54030"/>
+                    <a:pt x="51553" y="54031"/>
                   </a:lnTo>
                   <a:lnTo>
-                    <a:pt x="42029" y="0"/>
+                    <a:pt x="42030" y="0"/>
                   </a:lnTo>
                 </a:path>
               </a:pathLst>
@@ -3837,15 +3837,15 @@
           </p:nvSpPr>
           <p:spPr>
             <a:xfrm>
-              <a:off x="3850622" y="1507784"/>
-              <a:ext cx="195587" cy="1110056"/>
+              <a:off x="3850587" y="1507774"/>
+              <a:ext cx="195576" cy="1110040"/>
             </a:xfrm>
             <a:custGeom>
               <a:avLst/>
               <a:pathLst>
-                <a:path w="195587" h="1110056">
+                <a:path w="195576" h="1110040">
                   <a:moveTo>
-                    <a:pt x="195587" y="1110056"/>
+                    <a:pt x="195576" y="1110040"/>
                   </a:moveTo>
                   <a:lnTo>
                     <a:pt x="0" y="0"/>
@@ -3877,7 +3877,7 @@
           </p:nvSpPr>
           <p:spPr>
             <a:xfrm>
-              <a:off x="3831851" y="1507784"/>
+              <a:off x="3831815" y="1507774"/>
               <a:ext cx="54031" cy="51552"/>
             </a:xfrm>
             <a:custGeom>
@@ -3920,18 +3920,18 @@
           </p:nvSpPr>
           <p:spPr>
             <a:xfrm>
-              <a:off x="4046210" y="1697844"/>
-              <a:ext cx="1106200" cy="919997"/>
+              <a:off x="4046163" y="1697792"/>
+              <a:ext cx="1106187" cy="920022"/>
             </a:xfrm>
             <a:custGeom>
               <a:avLst/>
               <a:pathLst>
-                <a:path w="1106200" h="919997">
+                <a:path w="1106187" h="920022">
                   <a:moveTo>
-                    <a:pt x="0" y="919997"/>
+                    <a:pt x="0" y="920022"/>
                   </a:moveTo>
                   <a:lnTo>
-                    <a:pt x="1106200" y="0"/>
+                    <a:pt x="1106187" y="0"/>
                   </a:lnTo>
                 </a:path>
               </a:pathLst>
@@ -3960,21 +3960,21 @@
           </p:nvSpPr>
           <p:spPr>
             <a:xfrm>
-              <a:off x="5098339" y="1697844"/>
-              <a:ext cx="54071" cy="51472"/>
+              <a:off x="5098279" y="1697792"/>
+              <a:ext cx="54071" cy="51473"/>
             </a:xfrm>
             <a:custGeom>
               <a:avLst/>
               <a:pathLst>
-                <a:path w="54071" h="51472">
+                <a:path w="54071" h="51473">
                   <a:moveTo>
-                    <a:pt x="35081" y="51472"/>
+                    <a:pt x="35082" y="51473"/>
                   </a:moveTo>
                   <a:lnTo>
                     <a:pt x="54071" y="0"/>
                   </a:lnTo>
                   <a:lnTo>
-                    <a:pt x="0" y="9290"/>
+                    <a:pt x="0" y="9291"/>
                   </a:lnTo>
                 </a:path>
               </a:pathLst>
@@ -4003,18 +4003,18 @@
           </p:nvSpPr>
           <p:spPr>
             <a:xfrm>
-              <a:off x="4046210" y="2148902"/>
-              <a:ext cx="1723355" cy="468938"/>
+              <a:off x="4046163" y="2148788"/>
+              <a:ext cx="1723313" cy="469025"/>
             </a:xfrm>
             <a:custGeom>
               <a:avLst/>
               <a:pathLst>
-                <a:path w="1723355" h="468938">
+                <a:path w="1723313" h="469025">
                   <a:moveTo>
-                    <a:pt x="0" y="468938"/>
+                    <a:pt x="0" y="469025"/>
                   </a:moveTo>
                   <a:lnTo>
-                    <a:pt x="1723355" y="0"/>
+                    <a:pt x="1723313" y="0"/>
                   </a:lnTo>
                 </a:path>
               </a:pathLst>
@@ -4043,18 +4043,18 @@
           </p:nvSpPr>
           <p:spPr>
             <a:xfrm>
-              <a:off x="5716516" y="2134908"/>
-              <a:ext cx="53049" cy="52939"/>
+              <a:off x="5716427" y="2134797"/>
+              <a:ext cx="53049" cy="52938"/>
             </a:xfrm>
             <a:custGeom>
               <a:avLst/>
               <a:pathLst>
-                <a:path w="53049" h="52939">
+                <a:path w="53049" h="52938">
                   <a:moveTo>
-                    <a:pt x="14405" y="52939"/>
+                    <a:pt x="14407" y="52938"/>
                   </a:moveTo>
                   <a:lnTo>
-                    <a:pt x="53049" y="13994"/>
+                    <a:pt x="53049" y="13991"/>
                   </a:lnTo>
                   <a:lnTo>
                     <a:pt x="0" y="0"/>
@@ -4086,18 +4086,18 @@
           </p:nvSpPr>
           <p:spPr>
             <a:xfrm>
-              <a:off x="4046210" y="2617841"/>
-              <a:ext cx="1213685" cy="306474"/>
+              <a:off x="4046163" y="2617814"/>
+              <a:ext cx="1213693" cy="306382"/>
             </a:xfrm>
             <a:custGeom>
               <a:avLst/>
               <a:pathLst>
-                <a:path w="1213685" h="306474">
+                <a:path w="1213693" h="306382">
                   <a:moveTo>
                     <a:pt x="0" y="0"/>
                   </a:moveTo>
                   <a:lnTo>
-                    <a:pt x="1213685" y="306474"/>
+                    <a:pt x="1213693" y="306382"/>
                   </a:lnTo>
                 </a:path>
               </a:pathLst>
@@ -4126,21 +4126,21 @@
           </p:nvSpPr>
           <p:spPr>
             <a:xfrm>
-              <a:off x="5207111" y="2886086"/>
-              <a:ext cx="52783" cy="53194"/>
+              <a:off x="5207075" y="2885970"/>
+              <a:ext cx="52782" cy="53195"/>
             </a:xfrm>
             <a:custGeom>
               <a:avLst/>
               <a:pathLst>
-                <a:path w="52783" h="53194">
+                <a:path w="52782" h="53195">
                   <a:moveTo>
-                    <a:pt x="0" y="53194"/>
+                    <a:pt x="0" y="53195"/>
                   </a:moveTo>
                   <a:lnTo>
-                    <a:pt x="52783" y="38229"/>
+                    <a:pt x="52782" y="38227"/>
                   </a:lnTo>
                   <a:lnTo>
-                    <a:pt x="13432" y="0"/>
+                    <a:pt x="13428" y="0"/>
                   </a:lnTo>
                 </a:path>
               </a:pathLst>
@@ -4169,7 +4169,7 @@
           </p:nvSpPr>
           <p:spPr>
             <a:xfrm>
-              <a:off x="5872612" y="3562925"/>
+              <a:off x="5872575" y="3562852"/>
               <a:ext cx="397472" cy="128223"/>
             </a:xfrm>
             <a:prstGeom prst="rect">
@@ -4215,7 +4215,7 @@
           </p:nvSpPr>
           <p:spPr>
             <a:xfrm>
-              <a:off x="5069648" y="1424007"/>
+              <a:off x="5069578" y="1424052"/>
               <a:ext cx="444024" cy="102003"/>
             </a:xfrm>
             <a:prstGeom prst="rect">
@@ -4261,7 +4261,7 @@
           </p:nvSpPr>
           <p:spPr>
             <a:xfrm>
-              <a:off x="5388401" y="3489545"/>
+              <a:off x="5388353" y="3489454"/>
               <a:ext cx="428689" cy="131577"/>
             </a:xfrm>
             <a:prstGeom prst="rect">
@@ -4307,7 +4307,7 @@
           </p:nvSpPr>
           <p:spPr>
             <a:xfrm>
-              <a:off x="4518652" y="3384513"/>
+              <a:off x="4518581" y="3384530"/>
               <a:ext cx="428621" cy="102003"/>
             </a:xfrm>
             <a:prstGeom prst="rect">
@@ -4353,7 +4353,7 @@
           </p:nvSpPr>
           <p:spPr>
             <a:xfrm>
-              <a:off x="3620621" y="1344955"/>
+              <a:off x="3620587" y="1344946"/>
               <a:ext cx="420885" cy="102003"/>
             </a:xfrm>
             <a:prstGeom prst="rect">
@@ -4399,7 +4399,7 @@
           </p:nvSpPr>
           <p:spPr>
             <a:xfrm>
-              <a:off x="5219981" y="1640246"/>
+              <a:off x="5219926" y="1640234"/>
               <a:ext cx="405139" cy="103783"/>
             </a:xfrm>
             <a:prstGeom prst="rect">
@@ -4445,7 +4445,7 @@
           </p:nvSpPr>
           <p:spPr>
             <a:xfrm>
-              <a:off x="5743164" y="2048405"/>
+              <a:off x="5743072" y="2048283"/>
               <a:ext cx="397472" cy="103783"/>
             </a:xfrm>
             <a:prstGeom prst="rect">
@@ -4491,7 +4491,7 @@
           </p:nvSpPr>
           <p:spPr>
             <a:xfrm>
-              <a:off x="5306550" y="2873565"/>
+              <a:off x="5306495" y="2873438"/>
               <a:ext cx="428621" cy="131577"/>
             </a:xfrm>
             <a:prstGeom prst="rect">
@@ -4577,7 +4577,7 @@
           </p:nvSpPr>
           <p:spPr>
             <a:xfrm>
-              <a:off x="1148183" y="3315342"/>
+              <a:off x="1148183" y="3315304"/>
               <a:ext cx="192578" cy="81691"/>
             </a:xfrm>
             <a:prstGeom prst="rect">
@@ -4623,7 +4623,7 @@
           </p:nvSpPr>
           <p:spPr>
             <a:xfrm>
-              <a:off x="1185400" y="2576149"/>
+              <a:off x="1185400" y="2576122"/>
               <a:ext cx="155361" cy="81691"/>
             </a:xfrm>
             <a:prstGeom prst="rect">
@@ -4669,7 +4669,7 @@
           </p:nvSpPr>
           <p:spPr>
             <a:xfrm>
-              <a:off x="1185400" y="1836956"/>
+              <a:off x="1185400" y="1836941"/>
               <a:ext cx="155361" cy="81691"/>
             </a:xfrm>
             <a:prstGeom prst="rect">
@@ -4715,7 +4715,7 @@
           </p:nvSpPr>
           <p:spPr>
             <a:xfrm>
-              <a:off x="1185400" y="1097763"/>
+              <a:off x="1185400" y="1097760"/>
               <a:ext cx="155361" cy="81691"/>
             </a:xfrm>
             <a:prstGeom prst="rect">
@@ -4761,7 +4761,7 @@
           </p:nvSpPr>
           <p:spPr>
             <a:xfrm>
-              <a:off x="1368597" y="3357033"/>
+              <a:off x="1368597" y="3356995"/>
               <a:ext cx="34794" cy="0"/>
             </a:xfrm>
             <a:custGeom>
@@ -4801,7 +4801,7 @@
           </p:nvSpPr>
           <p:spPr>
             <a:xfrm>
-              <a:off x="1368597" y="2617841"/>
+              <a:off x="1368597" y="2617814"/>
               <a:ext cx="34794" cy="0"/>
             </a:xfrm>
             <a:custGeom>
@@ -4841,7 +4841,7 @@
           </p:nvSpPr>
           <p:spPr>
             <a:xfrm>
-              <a:off x="1368597" y="1878648"/>
+              <a:off x="1368597" y="1878633"/>
               <a:ext cx="34794" cy="0"/>
             </a:xfrm>
             <a:custGeom>
@@ -4881,7 +4881,7 @@
           </p:nvSpPr>
           <p:spPr>
             <a:xfrm>
-              <a:off x="1368597" y="1139455"/>
+              <a:off x="1368597" y="1139451"/>
               <a:ext cx="34794" cy="0"/>
             </a:xfrm>
             <a:custGeom>
@@ -4961,7 +4961,7 @@
           </p:nvSpPr>
           <p:spPr>
             <a:xfrm>
-              <a:off x="1588458" y="4080626"/>
+              <a:off x="1588427" y="4080626"/>
               <a:ext cx="0" cy="34794"/>
             </a:xfrm>
             <a:custGeom>
@@ -5001,7 +5001,7 @@
           </p:nvSpPr>
           <p:spPr>
             <a:xfrm>
-              <a:off x="2817334" y="4080626"/>
+              <a:off x="2817295" y="4080626"/>
               <a:ext cx="0" cy="34794"/>
             </a:xfrm>
             <a:custGeom>
@@ -5041,7 +5041,7 @@
           </p:nvSpPr>
           <p:spPr>
             <a:xfrm>
-              <a:off x="4046210" y="4080626"/>
+              <a:off x="4046163" y="4080626"/>
               <a:ext cx="0" cy="34794"/>
             </a:xfrm>
             <a:custGeom>
@@ -5081,7 +5081,7 @@
           </p:nvSpPr>
           <p:spPr>
             <a:xfrm>
-              <a:off x="5275086" y="4080626"/>
+              <a:off x="5275032" y="4080626"/>
               <a:ext cx="0" cy="34794"/>
             </a:xfrm>
             <a:custGeom>
@@ -5121,7 +5121,7 @@
           </p:nvSpPr>
           <p:spPr>
             <a:xfrm>
-              <a:off x="6503962" y="4080626"/>
+              <a:off x="6503900" y="4080626"/>
               <a:ext cx="0" cy="34794"/>
             </a:xfrm>
             <a:custGeom>
@@ -5161,7 +5161,7 @@
           </p:nvSpPr>
           <p:spPr>
             <a:xfrm>
-              <a:off x="1492168" y="4141565"/>
+              <a:off x="1492137" y="4141565"/>
               <a:ext cx="192578" cy="81691"/>
             </a:xfrm>
             <a:prstGeom prst="rect">
@@ -5207,7 +5207,7 @@
           </p:nvSpPr>
           <p:spPr>
             <a:xfrm>
-              <a:off x="2721044" y="4141565"/>
+              <a:off x="2721006" y="4141565"/>
               <a:ext cx="192578" cy="81691"/>
             </a:xfrm>
             <a:prstGeom prst="rect">
@@ -5253,7 +5253,7 @@
           </p:nvSpPr>
           <p:spPr>
             <a:xfrm>
-              <a:off x="3968529" y="4141565"/>
+              <a:off x="3968482" y="4141565"/>
               <a:ext cx="155361" cy="81691"/>
             </a:xfrm>
             <a:prstGeom prst="rect">
@@ -5299,7 +5299,7 @@
           </p:nvSpPr>
           <p:spPr>
             <a:xfrm>
-              <a:off x="5197405" y="4141565"/>
+              <a:off x="5197351" y="4141565"/>
               <a:ext cx="155361" cy="81691"/>
             </a:xfrm>
             <a:prstGeom prst="rect">
@@ -5345,7 +5345,7 @@
           </p:nvSpPr>
           <p:spPr>
             <a:xfrm>
-              <a:off x="6426281" y="4141565"/>
+              <a:off x="6426219" y="4141565"/>
               <a:ext cx="155361" cy="81691"/>
             </a:xfrm>
             <a:prstGeom prst="rect">
@@ -5860,8 +5860,8 @@
           </p:nvSpPr>
           <p:spPr>
             <a:xfrm>
-              <a:off x="6639037" y="3303047"/>
-              <a:ext cx="298117" cy="81746"/>
+              <a:off x="6639037" y="3303101"/>
+              <a:ext cx="298117" cy="81691"/>
             </a:xfrm>
             <a:prstGeom prst="rect">
               <a:avLst/>
@@ -5893,7 +5893,7 @@
                   <a:latin typeface="Arial"/>
                   <a:cs typeface="Arial"/>
                 </a:rPr>
-                <a:t>D3BH</a:t>
+                <a:t>D9BH</a:t>
               </a:r>
             </a:p>
           </p:txBody>
@@ -5906,7 +5906,99 @@
           </p:nvSpPr>
           <p:spPr>
             <a:xfrm>
-              <a:off x="6639037" y="3411429"/>
+              <a:off x="6639037" y="3411101"/>
+              <a:ext cx="310505" cy="81691"/>
+            </a:xfrm>
+            <a:prstGeom prst="rect">
+              <a:avLst/>
+            </a:prstGeom>
+            <a:noFill/>
+          </p:spPr>
+          <p:txBody>
+            <a:bodyPr lIns="0" rIns="0" tIns="0" bIns="0" anchorCtr="1" anchor="ctr" wrap="none"/>
+            <a:lstStyle/>
+            <a:p>
+              <a:pPr algn="l" marL="0" marR="0" indent="0">
+                <a:lnSpc>
+                  <a:spcPts val="880"/>
+                </a:lnSpc>
+                <a:spcBef>
+                  <a:spcPts val="0"/>
+                </a:spcBef>
+                <a:spcAft>
+                  <a:spcPts val="0"/>
+                </a:spcAft>
+              </a:pPr>
+              <a:r>
+                <a:rPr sz="880">
+                  <a:solidFill>
+                    <a:srgbClr val="000000">
+                      <a:alpha val="100000"/>
+                    </a:srgbClr>
+                  </a:solidFill>
+                  <a:latin typeface="Arial"/>
+                  <a:cs typeface="Arial"/>
+                </a:rPr>
+                <a:t>D9BM</a:t>
+              </a:r>
+            </a:p>
+          </p:txBody>
+        </p:sp>
+        <p:sp>
+          <p:nvSpPr>
+            <p:cNvPr id="98" name="tx98"/>
+            <p:cNvSpPr/>
+            <p:nvPr/>
+          </p:nvSpPr>
+          <p:spPr>
+            <a:xfrm>
+              <a:off x="6639037" y="3519101"/>
+              <a:ext cx="279563" cy="81691"/>
+            </a:xfrm>
+            <a:prstGeom prst="rect">
+              <a:avLst/>
+            </a:prstGeom>
+            <a:noFill/>
+          </p:spPr>
+          <p:txBody>
+            <a:bodyPr lIns="0" rIns="0" tIns="0" bIns="0" anchorCtr="1" anchor="ctr" wrap="none"/>
+            <a:lstStyle/>
+            <a:p>
+              <a:pPr algn="l" marL="0" marR="0" indent="0">
+                <a:lnSpc>
+                  <a:spcPts val="880"/>
+                </a:lnSpc>
+                <a:spcBef>
+                  <a:spcPts val="0"/>
+                </a:spcBef>
+                <a:spcAft>
+                  <a:spcPts val="0"/>
+                </a:spcAft>
+              </a:pPr>
+              <a:r>
+                <a:rPr sz="880">
+                  <a:solidFill>
+                    <a:srgbClr val="000000">
+                      <a:alpha val="100000"/>
+                    </a:srgbClr>
+                  </a:solidFill>
+                  <a:latin typeface="Arial"/>
+                  <a:cs typeface="Arial"/>
+                </a:rPr>
+                <a:t>D9BL</a:t>
+              </a:r>
+            </a:p>
+          </p:txBody>
+        </p:sp>
+        <p:sp>
+          <p:nvSpPr>
+            <p:cNvPr id="99" name="tx99"/>
+            <p:cNvSpPr/>
+            <p:nvPr/>
+          </p:nvSpPr>
+          <p:spPr>
+            <a:xfrm>
+              <a:off x="6639037" y="3627429"/>
               <a:ext cx="298117" cy="81364"/>
             </a:xfrm>
             <a:prstGeom prst="rect">
@@ -5946,14 +6038,14 @@
         </p:sp>
         <p:sp>
           <p:nvSpPr>
-            <p:cNvPr id="98" name="tx98"/>
-            <p:cNvSpPr/>
-            <p:nvPr/>
-          </p:nvSpPr>
-          <p:spPr>
-            <a:xfrm>
-              <a:off x="6639037" y="3519101"/>
-              <a:ext cx="298117" cy="81691"/>
+            <p:cNvPr id="100" name="tx100"/>
+            <p:cNvSpPr/>
+            <p:nvPr/>
+          </p:nvSpPr>
+          <p:spPr>
+            <a:xfrm>
+              <a:off x="6639037" y="3735047"/>
+              <a:ext cx="298117" cy="81746"/>
             </a:xfrm>
             <a:prstGeom prst="rect">
               <a:avLst/>
@@ -5985,99 +6077,7 @@
                   <a:latin typeface="Arial"/>
                   <a:cs typeface="Arial"/>
                 </a:rPr>
-                <a:t>D9BH</a:t>
-              </a:r>
-            </a:p>
-          </p:txBody>
-        </p:sp>
-        <p:sp>
-          <p:nvSpPr>
-            <p:cNvPr id="99" name="tx99"/>
-            <p:cNvSpPr/>
-            <p:nvPr/>
-          </p:nvSpPr>
-          <p:spPr>
-            <a:xfrm>
-              <a:off x="6639037" y="3627101"/>
-              <a:ext cx="279563" cy="81691"/>
-            </a:xfrm>
-            <a:prstGeom prst="rect">
-              <a:avLst/>
-            </a:prstGeom>
-            <a:noFill/>
-          </p:spPr>
-          <p:txBody>
-            <a:bodyPr lIns="0" rIns="0" tIns="0" bIns="0" anchorCtr="1" anchor="ctr" wrap="none"/>
-            <a:lstStyle/>
-            <a:p>
-              <a:pPr algn="l" marL="0" marR="0" indent="0">
-                <a:lnSpc>
-                  <a:spcPts val="880"/>
-                </a:lnSpc>
-                <a:spcBef>
-                  <a:spcPts val="0"/>
-                </a:spcBef>
-                <a:spcAft>
-                  <a:spcPts val="0"/>
-                </a:spcAft>
-              </a:pPr>
-              <a:r>
-                <a:rPr sz="880">
-                  <a:solidFill>
-                    <a:srgbClr val="000000">
-                      <a:alpha val="100000"/>
-                    </a:srgbClr>
-                  </a:solidFill>
-                  <a:latin typeface="Arial"/>
-                  <a:cs typeface="Arial"/>
-                </a:rPr>
-                <a:t>D9BL</a:t>
-              </a:r>
-            </a:p>
-          </p:txBody>
-        </p:sp>
-        <p:sp>
-          <p:nvSpPr>
-            <p:cNvPr id="100" name="tx100"/>
-            <p:cNvSpPr/>
-            <p:nvPr/>
-          </p:nvSpPr>
-          <p:spPr>
-            <a:xfrm>
-              <a:off x="6639037" y="3735101"/>
-              <a:ext cx="310505" cy="81691"/>
-            </a:xfrm>
-            <a:prstGeom prst="rect">
-              <a:avLst/>
-            </a:prstGeom>
-            <a:noFill/>
-          </p:spPr>
-          <p:txBody>
-            <a:bodyPr lIns="0" rIns="0" tIns="0" bIns="0" anchorCtr="1" anchor="ctr" wrap="none"/>
-            <a:lstStyle/>
-            <a:p>
-              <a:pPr algn="l" marL="0" marR="0" indent="0">
-                <a:lnSpc>
-                  <a:spcPts val="880"/>
-                </a:lnSpc>
-                <a:spcBef>
-                  <a:spcPts val="0"/>
-                </a:spcBef>
-                <a:spcAft>
-                  <a:spcPts val="0"/>
-                </a:spcAft>
-              </a:pPr>
-              <a:r>
-                <a:rPr sz="880">
-                  <a:solidFill>
-                    <a:srgbClr val="000000">
-                      <a:alpha val="100000"/>
-                    </a:srgbClr>
-                  </a:solidFill>
-                  <a:latin typeface="Arial"/>
-                  <a:cs typeface="Arial"/>
-                </a:rPr>
-                <a:t>D9BM</a:t>
+                <a:t>D3BH</a:t>
               </a:r>
             </a:p>
           </p:txBody>
